--- a/00757130,00757111網程期末專案.pptx
+++ b/00757130,00757111網程期末專案.pptx
@@ -1070,6 +1070,13 @@
         </dgm:presLayoutVars>
       </dgm:prSet>
       <dgm:spPr/>
+      <dgm:t>
+        <a:bodyPr/>
+        <a:lstStyle/>
+        <a:p>
+          <a:endParaRPr lang="zh-TW" altLang="en-US"/>
+        </a:p>
+      </dgm:t>
     </dgm:pt>
     <dgm:pt modelId="{BF8F2D25-4EEA-43EF-8574-6F6CA6EBB462}" type="pres">
       <dgm:prSet presAssocID="{8F0DB4F6-FB04-4DB8-B62B-67D96F127427}" presName="hierRoot1" presStyleCnt="0">
@@ -1090,10 +1097,24 @@
         </dgm:presLayoutVars>
       </dgm:prSet>
       <dgm:spPr/>
+      <dgm:t>
+        <a:bodyPr/>
+        <a:lstStyle/>
+        <a:p>
+          <a:endParaRPr lang="zh-TW" altLang="en-US"/>
+        </a:p>
+      </dgm:t>
     </dgm:pt>
     <dgm:pt modelId="{E2CB91DD-66A0-4EA3-8D21-034A643D03EF}" type="pres">
       <dgm:prSet presAssocID="{8F0DB4F6-FB04-4DB8-B62B-67D96F127427}" presName="rootConnector1" presStyleLbl="node1" presStyleIdx="0" presStyleCnt="0"/>
       <dgm:spPr/>
+      <dgm:t>
+        <a:bodyPr/>
+        <a:lstStyle/>
+        <a:p>
+          <a:endParaRPr lang="zh-TW" altLang="en-US"/>
+        </a:p>
+      </dgm:t>
     </dgm:pt>
     <dgm:pt modelId="{84159D6C-04EA-42B7-8AFB-F8D9BF16D1F8}" type="pres">
       <dgm:prSet presAssocID="{8F0DB4F6-FB04-4DB8-B62B-67D96F127427}" presName="hierChild2" presStyleCnt="0"/>
@@ -1102,6 +1123,13 @@
     <dgm:pt modelId="{856A345D-1219-48E2-A6E4-8B891FE3675F}" type="pres">
       <dgm:prSet presAssocID="{BA463E05-B75D-4BEE-8B88-8F5D3801CCC5}" presName="Name37" presStyleLbl="parChTrans1D2" presStyleIdx="0" presStyleCnt="4"/>
       <dgm:spPr/>
+      <dgm:t>
+        <a:bodyPr/>
+        <a:lstStyle/>
+        <a:p>
+          <a:endParaRPr lang="zh-TW" altLang="en-US"/>
+        </a:p>
+      </dgm:t>
     </dgm:pt>
     <dgm:pt modelId="{A4ED86D0-227E-4DF9-9A81-20BC899964EA}" type="pres">
       <dgm:prSet presAssocID="{B3011149-6117-4218-9FC0-0606E314FE61}" presName="hierRoot2" presStyleCnt="0">
@@ -1122,10 +1150,24 @@
         </dgm:presLayoutVars>
       </dgm:prSet>
       <dgm:spPr/>
+      <dgm:t>
+        <a:bodyPr/>
+        <a:lstStyle/>
+        <a:p>
+          <a:endParaRPr lang="zh-TW" altLang="en-US"/>
+        </a:p>
+      </dgm:t>
     </dgm:pt>
     <dgm:pt modelId="{EBAFE2E9-CBCA-4D71-A41D-8DC1333E55E4}" type="pres">
       <dgm:prSet presAssocID="{B3011149-6117-4218-9FC0-0606E314FE61}" presName="rootConnector" presStyleLbl="node2" presStyleIdx="0" presStyleCnt="3"/>
       <dgm:spPr/>
+      <dgm:t>
+        <a:bodyPr/>
+        <a:lstStyle/>
+        <a:p>
+          <a:endParaRPr lang="zh-TW" altLang="en-US"/>
+        </a:p>
+      </dgm:t>
     </dgm:pt>
     <dgm:pt modelId="{68750BF7-B401-4D6C-AE5C-10BE47CF5C8E}" type="pres">
       <dgm:prSet presAssocID="{B3011149-6117-4218-9FC0-0606E314FE61}" presName="hierChild4" presStyleCnt="0"/>
@@ -1138,6 +1180,13 @@
     <dgm:pt modelId="{84D6BD50-4572-412A-9967-4BD08D870537}" type="pres">
       <dgm:prSet presAssocID="{19673EF1-4DD1-4065-8CDF-986A72DC7D8F}" presName="Name37" presStyleLbl="parChTrans1D2" presStyleIdx="1" presStyleCnt="4"/>
       <dgm:spPr/>
+      <dgm:t>
+        <a:bodyPr/>
+        <a:lstStyle/>
+        <a:p>
+          <a:endParaRPr lang="zh-TW" altLang="en-US"/>
+        </a:p>
+      </dgm:t>
     </dgm:pt>
     <dgm:pt modelId="{5109376F-312D-4A64-B457-3DDB4D9A86D1}" type="pres">
       <dgm:prSet presAssocID="{3402D1F7-23CF-4778-9ED2-824887C9944A}" presName="hierRoot2" presStyleCnt="0">
@@ -1158,10 +1207,24 @@
         </dgm:presLayoutVars>
       </dgm:prSet>
       <dgm:spPr/>
+      <dgm:t>
+        <a:bodyPr/>
+        <a:lstStyle/>
+        <a:p>
+          <a:endParaRPr lang="zh-TW" altLang="en-US"/>
+        </a:p>
+      </dgm:t>
     </dgm:pt>
     <dgm:pt modelId="{6379D223-A73B-48A6-BFD1-2056120A1FDC}" type="pres">
       <dgm:prSet presAssocID="{3402D1F7-23CF-4778-9ED2-824887C9944A}" presName="rootConnector" presStyleLbl="node2" presStyleIdx="1" presStyleCnt="3"/>
       <dgm:spPr/>
+      <dgm:t>
+        <a:bodyPr/>
+        <a:lstStyle/>
+        <a:p>
+          <a:endParaRPr lang="zh-TW" altLang="en-US"/>
+        </a:p>
+      </dgm:t>
     </dgm:pt>
     <dgm:pt modelId="{3F5876C5-1806-4A57-A466-042BC51B0DB9}" type="pres">
       <dgm:prSet presAssocID="{3402D1F7-23CF-4778-9ED2-824887C9944A}" presName="hierChild4" presStyleCnt="0"/>
@@ -1174,6 +1237,13 @@
     <dgm:pt modelId="{49751840-AC77-4152-B40F-B91333AB5D12}" type="pres">
       <dgm:prSet presAssocID="{FC47400A-4489-4E64-B3CE-E2D4245A04B2}" presName="Name37" presStyleLbl="parChTrans1D2" presStyleIdx="2" presStyleCnt="4"/>
       <dgm:spPr/>
+      <dgm:t>
+        <a:bodyPr/>
+        <a:lstStyle/>
+        <a:p>
+          <a:endParaRPr lang="zh-TW" altLang="en-US"/>
+        </a:p>
+      </dgm:t>
     </dgm:pt>
     <dgm:pt modelId="{8107BDDF-7889-4068-B2C1-C270266FA0BE}" type="pres">
       <dgm:prSet presAssocID="{483FCA92-B13E-4655-BB66-2A24C7244E3F}" presName="hierRoot2" presStyleCnt="0">
@@ -1194,10 +1264,24 @@
         </dgm:presLayoutVars>
       </dgm:prSet>
       <dgm:spPr/>
+      <dgm:t>
+        <a:bodyPr/>
+        <a:lstStyle/>
+        <a:p>
+          <a:endParaRPr lang="zh-TW" altLang="en-US"/>
+        </a:p>
+      </dgm:t>
     </dgm:pt>
     <dgm:pt modelId="{8298A183-C5CC-45F5-8047-E505C4EE0A19}" type="pres">
       <dgm:prSet presAssocID="{483FCA92-B13E-4655-BB66-2A24C7244E3F}" presName="rootConnector" presStyleLbl="node2" presStyleIdx="2" presStyleCnt="3"/>
       <dgm:spPr/>
+      <dgm:t>
+        <a:bodyPr/>
+        <a:lstStyle/>
+        <a:p>
+          <a:endParaRPr lang="zh-TW" altLang="en-US"/>
+        </a:p>
+      </dgm:t>
     </dgm:pt>
     <dgm:pt modelId="{4BB14D84-E540-4F4C-B75A-808C08F92D45}" type="pres">
       <dgm:prSet presAssocID="{483FCA92-B13E-4655-BB66-2A24C7244E3F}" presName="hierChild4" presStyleCnt="0"/>
@@ -1214,6 +1298,13 @@
     <dgm:pt modelId="{71141957-CB5D-427C-A9E7-D9A604D1543E}" type="pres">
       <dgm:prSet presAssocID="{2168D77E-B49E-4DBC-AEA7-FBFF0CBB134D}" presName="Name111" presStyleLbl="parChTrans1D2" presStyleIdx="3" presStyleCnt="4"/>
       <dgm:spPr/>
+      <dgm:t>
+        <a:bodyPr/>
+        <a:lstStyle/>
+        <a:p>
+          <a:endParaRPr lang="zh-TW" altLang="en-US"/>
+        </a:p>
+      </dgm:t>
     </dgm:pt>
     <dgm:pt modelId="{79504C93-0108-4B58-B79E-0E1612AB4212}" type="pres">
       <dgm:prSet presAssocID="{283824EB-6AFA-4402-A34D-091A2D36C811}" presName="hierRoot3" presStyleCnt="0">
@@ -1234,10 +1325,24 @@
         </dgm:presLayoutVars>
       </dgm:prSet>
       <dgm:spPr/>
+      <dgm:t>
+        <a:bodyPr/>
+        <a:lstStyle/>
+        <a:p>
+          <a:endParaRPr lang="zh-TW" altLang="en-US"/>
+        </a:p>
+      </dgm:t>
     </dgm:pt>
     <dgm:pt modelId="{4ECC6F9C-D313-40FF-A32B-28D9ADBF3984}" type="pres">
       <dgm:prSet presAssocID="{283824EB-6AFA-4402-A34D-091A2D36C811}" presName="rootConnector3" presStyleLbl="asst1" presStyleIdx="0" presStyleCnt="1"/>
       <dgm:spPr/>
+      <dgm:t>
+        <a:bodyPr/>
+        <a:lstStyle/>
+        <a:p>
+          <a:endParaRPr lang="zh-TW" altLang="en-US"/>
+        </a:p>
+      </dgm:t>
     </dgm:pt>
     <dgm:pt modelId="{D3A014F5-F028-49D3-AA82-039BE05FE39E}" type="pres">
       <dgm:prSet presAssocID="{283824EB-6AFA-4402-A34D-091A2D36C811}" presName="hierChild6" presStyleCnt="0"/>
@@ -1249,26 +1354,26 @@
     </dgm:pt>
   </dgm:ptLst>
   <dgm:cxnLst>
-    <dgm:cxn modelId="{56F8C015-90B8-49B9-901E-299490B8618E}" type="presOf" srcId="{483FCA92-B13E-4655-BB66-2A24C7244E3F}" destId="{A17BA319-9C24-411B-B108-A662F1EE666E}" srcOrd="0" destOrd="0" presId="urn:microsoft.com/office/officeart/2005/8/layout/orgChart1"/>
-    <dgm:cxn modelId="{42BAB718-4E4D-49A6-BAF5-B0F8183D6593}" type="presOf" srcId="{283824EB-6AFA-4402-A34D-091A2D36C811}" destId="{4ECC6F9C-D313-40FF-A32B-28D9ADBF3984}" srcOrd="1" destOrd="0" presId="urn:microsoft.com/office/officeart/2005/8/layout/orgChart1"/>
-    <dgm:cxn modelId="{2EF58331-3309-4372-9913-F5DF0ECA40FB}" type="presOf" srcId="{483FCA92-B13E-4655-BB66-2A24C7244E3F}" destId="{8298A183-C5CC-45F5-8047-E505C4EE0A19}" srcOrd="1" destOrd="0" presId="urn:microsoft.com/office/officeart/2005/8/layout/orgChart1"/>
-    <dgm:cxn modelId="{F79CCB3B-7B2F-405C-A3E5-4607060E0C49}" type="presOf" srcId="{2168D77E-B49E-4DBC-AEA7-FBFF0CBB134D}" destId="{71141957-CB5D-427C-A9E7-D9A604D1543E}" srcOrd="0" destOrd="0" presId="urn:microsoft.com/office/officeart/2005/8/layout/orgChart1"/>
     <dgm:cxn modelId="{B043D63C-85E6-4B35-BA84-2F7889056502}" type="presOf" srcId="{283824EB-6AFA-4402-A34D-091A2D36C811}" destId="{89F07B95-5851-4C92-BBF9-B856D034D790}" srcOrd="0" destOrd="0" presId="urn:microsoft.com/office/officeart/2005/8/layout/orgChart1"/>
     <dgm:cxn modelId="{77E83049-F156-4515-AB17-682760D1AE7F}" type="presOf" srcId="{BA463E05-B75D-4BEE-8B88-8F5D3801CCC5}" destId="{856A345D-1219-48E2-A6E4-8B891FE3675F}" srcOrd="0" destOrd="0" presId="urn:microsoft.com/office/officeart/2005/8/layout/orgChart1"/>
     <dgm:cxn modelId="{BD11A669-8646-402E-AC6C-F053802871BB}" type="presOf" srcId="{8F0DB4F6-FB04-4DB8-B62B-67D96F127427}" destId="{E2CB91DD-66A0-4EA3-8D21-034A643D03EF}" srcOrd="1" destOrd="0" presId="urn:microsoft.com/office/officeart/2005/8/layout/orgChart1"/>
-    <dgm:cxn modelId="{139C314E-E975-43B1-BAD3-5007679D644E}" type="presOf" srcId="{3402D1F7-23CF-4778-9ED2-824887C9944A}" destId="{B71D1EA4-DC1B-4E3C-A75F-3DD147752C55}" srcOrd="0" destOrd="0" presId="urn:microsoft.com/office/officeart/2005/8/layout/orgChart1"/>
-    <dgm:cxn modelId="{8EFEDB6E-BF6A-48A2-83F4-5BB474716255}" srcId="{8F0DB4F6-FB04-4DB8-B62B-67D96F127427}" destId="{283824EB-6AFA-4402-A34D-091A2D36C811}" srcOrd="0" destOrd="0" parTransId="{2168D77E-B49E-4DBC-AEA7-FBFF0CBB134D}" sibTransId="{AF161F05-DA17-4D9D-880E-F9A85A84B411}"/>
-    <dgm:cxn modelId="{F0D3E556-9D9A-4F93-9ED8-C20CCEB4E31A}" type="presOf" srcId="{D93DAC57-B065-4046-BFDB-62194013DF89}" destId="{8210F5CC-5394-4EA7-B6A8-BCEBF9EA6FB2}" srcOrd="0" destOrd="0" presId="urn:microsoft.com/office/officeart/2005/8/layout/orgChart1"/>
-    <dgm:cxn modelId="{1A882989-32B7-4056-8A9A-66568D122D70}" srcId="{8F0DB4F6-FB04-4DB8-B62B-67D96F127427}" destId="{B3011149-6117-4218-9FC0-0606E314FE61}" srcOrd="1" destOrd="0" parTransId="{BA463E05-B75D-4BEE-8B88-8F5D3801CCC5}" sibTransId="{21A35A6F-866E-4C98-9875-0C2B36870DD3}"/>
+    <dgm:cxn modelId="{F79CCB3B-7B2F-405C-A3E5-4607060E0C49}" type="presOf" srcId="{2168D77E-B49E-4DBC-AEA7-FBFF0CBB134D}" destId="{71141957-CB5D-427C-A9E7-D9A604D1543E}" srcOrd="0" destOrd="0" presId="urn:microsoft.com/office/officeart/2005/8/layout/orgChart1"/>
+    <dgm:cxn modelId="{37E244B2-7C20-4753-8961-D2C5B56E6167}" srcId="{8F0DB4F6-FB04-4DB8-B62B-67D96F127427}" destId="{483FCA92-B13E-4655-BB66-2A24C7244E3F}" srcOrd="3" destOrd="0" parTransId="{FC47400A-4489-4E64-B3CE-E2D4245A04B2}" sibTransId="{BD5CA149-AE6E-4EC7-8DE2-E9B2408B94B3}"/>
+    <dgm:cxn modelId="{86EBDCFE-6D3E-4203-961C-3F5869AB62B1}" type="presOf" srcId="{19673EF1-4DD1-4065-8CDF-986A72DC7D8F}" destId="{84D6BD50-4572-412A-9967-4BD08D870537}" srcOrd="0" destOrd="0" presId="urn:microsoft.com/office/officeart/2005/8/layout/orgChart1"/>
     <dgm:cxn modelId="{6FE75298-6730-4734-826F-D7FFE49C2EE6}" type="presOf" srcId="{FC47400A-4489-4E64-B3CE-E2D4245A04B2}" destId="{49751840-AC77-4152-B40F-B91333AB5D12}" srcOrd="0" destOrd="0" presId="urn:microsoft.com/office/officeart/2005/8/layout/orgChart1"/>
-    <dgm:cxn modelId="{D256F09B-A04D-488E-B8CA-8640B90DA7C1}" type="presOf" srcId="{3402D1F7-23CF-4778-9ED2-824887C9944A}" destId="{6379D223-A73B-48A6-BFD1-2056120A1FDC}" srcOrd="1" destOrd="0" presId="urn:microsoft.com/office/officeart/2005/8/layout/orgChart1"/>
-    <dgm:cxn modelId="{DC1933A2-1196-4D34-A002-23C8CD1C185B}" srcId="{8F0DB4F6-FB04-4DB8-B62B-67D96F127427}" destId="{3402D1F7-23CF-4778-9ED2-824887C9944A}" srcOrd="2" destOrd="0" parTransId="{19673EF1-4DD1-4065-8CDF-986A72DC7D8F}" sibTransId="{CC1B08B6-A783-4649-853E-7DCEC5818CCE}"/>
-    <dgm:cxn modelId="{7D5021B0-FD15-4565-8ACA-4C6B95448BB1}" type="presOf" srcId="{8F0DB4F6-FB04-4DB8-B62B-67D96F127427}" destId="{CF9381EB-9CF6-4549-A73A-98A7B27F5CDB}" srcOrd="0" destOrd="0" presId="urn:microsoft.com/office/officeart/2005/8/layout/orgChart1"/>
-    <dgm:cxn modelId="{37E244B2-7C20-4753-8961-D2C5B56E6167}" srcId="{8F0DB4F6-FB04-4DB8-B62B-67D96F127427}" destId="{483FCA92-B13E-4655-BB66-2A24C7244E3F}" srcOrd="3" destOrd="0" parTransId="{FC47400A-4489-4E64-B3CE-E2D4245A04B2}" sibTransId="{BD5CA149-AE6E-4EC7-8DE2-E9B2408B94B3}"/>
+    <dgm:cxn modelId="{56F8C015-90B8-49B9-901E-299490B8618E}" type="presOf" srcId="{483FCA92-B13E-4655-BB66-2A24C7244E3F}" destId="{A17BA319-9C24-411B-B108-A662F1EE666E}" srcOrd="0" destOrd="0" presId="urn:microsoft.com/office/officeart/2005/8/layout/orgChart1"/>
     <dgm:cxn modelId="{9B8404D4-68A6-4601-8EFF-D35324CD3D8C}" srcId="{D93DAC57-B065-4046-BFDB-62194013DF89}" destId="{8F0DB4F6-FB04-4DB8-B62B-67D96F127427}" srcOrd="0" destOrd="0" parTransId="{052E4198-00B5-4CDC-81E5-F4242D217790}" sibTransId="{550878B6-7B6C-4F98-84B2-E62759EDB06C}"/>
     <dgm:cxn modelId="{6774E0D6-1819-40AC-9CF3-F9F7D44B75FB}" type="presOf" srcId="{B3011149-6117-4218-9FC0-0606E314FE61}" destId="{BF16FA07-E1DF-4858-B482-C743328679CC}" srcOrd="0" destOrd="0" presId="urn:microsoft.com/office/officeart/2005/8/layout/orgChart1"/>
+    <dgm:cxn modelId="{D256F09B-A04D-488E-B8CA-8640B90DA7C1}" type="presOf" srcId="{3402D1F7-23CF-4778-9ED2-824887C9944A}" destId="{6379D223-A73B-48A6-BFD1-2056120A1FDC}" srcOrd="1" destOrd="0" presId="urn:microsoft.com/office/officeart/2005/8/layout/orgChart1"/>
+    <dgm:cxn modelId="{1A882989-32B7-4056-8A9A-66568D122D70}" srcId="{8F0DB4F6-FB04-4DB8-B62B-67D96F127427}" destId="{B3011149-6117-4218-9FC0-0606E314FE61}" srcOrd="1" destOrd="0" parTransId="{BA463E05-B75D-4BEE-8B88-8F5D3801CCC5}" sibTransId="{21A35A6F-866E-4C98-9875-0C2B36870DD3}"/>
+    <dgm:cxn modelId="{F0D3E556-9D9A-4F93-9ED8-C20CCEB4E31A}" type="presOf" srcId="{D93DAC57-B065-4046-BFDB-62194013DF89}" destId="{8210F5CC-5394-4EA7-B6A8-BCEBF9EA6FB2}" srcOrd="0" destOrd="0" presId="urn:microsoft.com/office/officeart/2005/8/layout/orgChart1"/>
+    <dgm:cxn modelId="{139C314E-E975-43B1-BAD3-5007679D644E}" type="presOf" srcId="{3402D1F7-23CF-4778-9ED2-824887C9944A}" destId="{B71D1EA4-DC1B-4E3C-A75F-3DD147752C55}" srcOrd="0" destOrd="0" presId="urn:microsoft.com/office/officeart/2005/8/layout/orgChart1"/>
     <dgm:cxn modelId="{2E8240DA-C7EA-493E-AB80-7FA8ED98F7EC}" type="presOf" srcId="{B3011149-6117-4218-9FC0-0606E314FE61}" destId="{EBAFE2E9-CBCA-4D71-A41D-8DC1333E55E4}" srcOrd="1" destOrd="0" presId="urn:microsoft.com/office/officeart/2005/8/layout/orgChart1"/>
-    <dgm:cxn modelId="{86EBDCFE-6D3E-4203-961C-3F5869AB62B1}" type="presOf" srcId="{19673EF1-4DD1-4065-8CDF-986A72DC7D8F}" destId="{84D6BD50-4572-412A-9967-4BD08D870537}" srcOrd="0" destOrd="0" presId="urn:microsoft.com/office/officeart/2005/8/layout/orgChart1"/>
+    <dgm:cxn modelId="{8EFEDB6E-BF6A-48A2-83F4-5BB474716255}" srcId="{8F0DB4F6-FB04-4DB8-B62B-67D96F127427}" destId="{283824EB-6AFA-4402-A34D-091A2D36C811}" srcOrd="0" destOrd="0" parTransId="{2168D77E-B49E-4DBC-AEA7-FBFF0CBB134D}" sibTransId="{AF161F05-DA17-4D9D-880E-F9A85A84B411}"/>
+    <dgm:cxn modelId="{42BAB718-4E4D-49A6-BAF5-B0F8183D6593}" type="presOf" srcId="{283824EB-6AFA-4402-A34D-091A2D36C811}" destId="{4ECC6F9C-D313-40FF-A32B-28D9ADBF3984}" srcOrd="1" destOrd="0" presId="urn:microsoft.com/office/officeart/2005/8/layout/orgChart1"/>
+    <dgm:cxn modelId="{DC1933A2-1196-4D34-A002-23C8CD1C185B}" srcId="{8F0DB4F6-FB04-4DB8-B62B-67D96F127427}" destId="{3402D1F7-23CF-4778-9ED2-824887C9944A}" srcOrd="2" destOrd="0" parTransId="{19673EF1-4DD1-4065-8CDF-986A72DC7D8F}" sibTransId="{CC1B08B6-A783-4649-853E-7DCEC5818CCE}"/>
+    <dgm:cxn modelId="{2EF58331-3309-4372-9913-F5DF0ECA40FB}" type="presOf" srcId="{483FCA92-B13E-4655-BB66-2A24C7244E3F}" destId="{8298A183-C5CC-45F5-8047-E505C4EE0A19}" srcOrd="1" destOrd="0" presId="urn:microsoft.com/office/officeart/2005/8/layout/orgChart1"/>
+    <dgm:cxn modelId="{7D5021B0-FD15-4565-8ACA-4C6B95448BB1}" type="presOf" srcId="{8F0DB4F6-FB04-4DB8-B62B-67D96F127427}" destId="{CF9381EB-9CF6-4549-A73A-98A7B27F5CDB}" srcOrd="0" destOrd="0" presId="urn:microsoft.com/office/officeart/2005/8/layout/orgChart1"/>
     <dgm:cxn modelId="{918E71BA-8188-4516-9F82-A37D977B5EF7}" type="presParOf" srcId="{8210F5CC-5394-4EA7-B6A8-BCEBF9EA6FB2}" destId="{BF8F2D25-4EEA-43EF-8574-6F6CA6EBB462}" srcOrd="0" destOrd="0" presId="urn:microsoft.com/office/officeart/2005/8/layout/orgChart1"/>
     <dgm:cxn modelId="{F3C1BB3E-2ECB-4BB7-B88C-E745F0C51E2E}" type="presParOf" srcId="{BF8F2D25-4EEA-43EF-8574-6F6CA6EBB462}" destId="{A07D6C7D-DBC4-4709-BFB7-1991163FD9C3}" srcOrd="0" destOrd="0" presId="urn:microsoft.com/office/officeart/2005/8/layout/orgChart1"/>
     <dgm:cxn modelId="{0D76F3ED-26A4-4F69-8DBA-F7947E23AFF8}" type="presParOf" srcId="{A07D6C7D-DBC4-4709-BFB7-1991163FD9C3}" destId="{CF9381EB-9CF6-4549-A73A-98A7B27F5CDB}" srcOrd="0" destOrd="0" presId="urn:microsoft.com/office/officeart/2005/8/layout/orgChart1"/>
@@ -1611,7 +1716,7 @@
         </a:bodyPr>
         <a:lstStyle/>
         <a:p>
-          <a:pPr marL="0" lvl="0" indent="0" algn="ctr" defTabSz="1289050">
+          <a:pPr lvl="0" algn="ctr" defTabSz="1289050">
             <a:lnSpc>
               <a:spcPct val="90000"/>
             </a:lnSpc>
@@ -1621,7 +1726,6 @@
             <a:spcAft>
               <a:spcPct val="35000"/>
             </a:spcAft>
-            <a:buNone/>
           </a:pPr>
           <a:r>
             <a:rPr lang="en-US" altLang="zh-TW" sz="2900" kern="1200" dirty="0"/>
@@ -1689,7 +1793,7 @@
         </a:bodyPr>
         <a:lstStyle/>
         <a:p>
-          <a:pPr marL="0" lvl="0" indent="0" algn="ctr" defTabSz="1289050">
+          <a:pPr lvl="0" algn="ctr" defTabSz="1289050">
             <a:lnSpc>
               <a:spcPct val="90000"/>
             </a:lnSpc>
@@ -1699,7 +1803,6 @@
             <a:spcAft>
               <a:spcPct val="35000"/>
             </a:spcAft>
-            <a:buNone/>
           </a:pPr>
           <a:r>
             <a:rPr lang="zh-TW" altLang="en-US" sz="2900" kern="1200" dirty="0"/>
@@ -1766,7 +1869,7 @@
         </a:bodyPr>
         <a:lstStyle/>
         <a:p>
-          <a:pPr marL="0" lvl="0" indent="0" algn="ctr" defTabSz="1289050">
+          <a:pPr lvl="0" algn="ctr" defTabSz="1289050">
             <a:lnSpc>
               <a:spcPct val="90000"/>
             </a:lnSpc>
@@ -1776,7 +1879,6 @@
             <a:spcAft>
               <a:spcPct val="35000"/>
             </a:spcAft>
-            <a:buNone/>
           </a:pPr>
           <a:r>
             <a:rPr lang="zh-TW" altLang="en-US" sz="2900" kern="1200" dirty="0"/>
@@ -1843,7 +1945,7 @@
         </a:bodyPr>
         <a:lstStyle/>
         <a:p>
-          <a:pPr marL="0" lvl="0" indent="0" algn="ctr" defTabSz="1289050">
+          <a:pPr lvl="0" algn="ctr" defTabSz="1289050">
             <a:lnSpc>
               <a:spcPct val="90000"/>
             </a:lnSpc>
@@ -1853,7 +1955,6 @@
             <a:spcAft>
               <a:spcPct val="35000"/>
             </a:spcAft>
-            <a:buNone/>
           </a:pPr>
           <a:r>
             <a:rPr lang="zh-TW" altLang="en-US" sz="2900" kern="1200" dirty="0"/>
@@ -1920,7 +2021,7 @@
         </a:bodyPr>
         <a:lstStyle/>
         <a:p>
-          <a:pPr marL="0" lvl="0" indent="0" algn="ctr" defTabSz="1289050">
+          <a:pPr lvl="0" algn="ctr" defTabSz="1289050">
             <a:lnSpc>
               <a:spcPct val="90000"/>
             </a:lnSpc>
@@ -1930,7 +2031,6 @@
             <a:spcAft>
               <a:spcPct val="35000"/>
             </a:spcAft>
-            <a:buNone/>
           </a:pPr>
           <a:r>
             <a:rPr lang="zh-TW" altLang="en-US" sz="2900" kern="1200" dirty="0"/>
@@ -4318,7 +4418,7 @@
           <a:p>
             <a:fld id="{342E22A8-6512-46B5-B58B-0C3A615F0CEB}" type="datetimeFigureOut">
               <a:rPr lang="zh-TW" altLang="en-US" smtClean="0"/>
-              <a:t>2019/11/12</a:t>
+              <a:t>2019/12/19</a:t>
             </a:fld>
             <a:endParaRPr lang="zh-TW" altLang="en-US"/>
           </a:p>
@@ -4754,7 +4854,7 @@
           <a:p>
             <a:fld id="{342E22A8-6512-46B5-B58B-0C3A615F0CEB}" type="datetimeFigureOut">
               <a:rPr lang="zh-TW" altLang="en-US" smtClean="0"/>
-              <a:t>2019/11/12</a:t>
+              <a:t>2019/12/19</a:t>
             </a:fld>
             <a:endParaRPr lang="zh-TW" altLang="en-US"/>
           </a:p>
@@ -5004,7 +5104,7 @@
           <a:p>
             <a:fld id="{342E22A8-6512-46B5-B58B-0C3A615F0CEB}" type="datetimeFigureOut">
               <a:rPr lang="zh-TW" altLang="en-US" smtClean="0"/>
-              <a:t>2019/11/12</a:t>
+              <a:t>2019/12/19</a:t>
             </a:fld>
             <a:endParaRPr lang="zh-TW" altLang="en-US"/>
           </a:p>
@@ -5312,7 +5412,7 @@
           <a:p>
             <a:fld id="{342E22A8-6512-46B5-B58B-0C3A615F0CEB}" type="datetimeFigureOut">
               <a:rPr lang="zh-TW" altLang="en-US" smtClean="0"/>
-              <a:t>2019/11/12</a:t>
+              <a:t>2019/12/19</a:t>
             </a:fld>
             <a:endParaRPr lang="zh-TW" altLang="en-US"/>
           </a:p>
@@ -5630,7 +5730,7 @@
           <a:p>
             <a:fld id="{342E22A8-6512-46B5-B58B-0C3A615F0CEB}" type="datetimeFigureOut">
               <a:rPr lang="zh-TW" altLang="en-US" smtClean="0"/>
-              <a:t>2019/11/12</a:t>
+              <a:t>2019/12/19</a:t>
             </a:fld>
             <a:endParaRPr lang="zh-TW" altLang="en-US"/>
           </a:p>
@@ -5932,7 +6032,7 @@
           <a:p>
             <a:fld id="{342E22A8-6512-46B5-B58B-0C3A615F0CEB}" type="datetimeFigureOut">
               <a:rPr lang="zh-TW" altLang="en-US" smtClean="0"/>
-              <a:t>2019/11/12</a:t>
+              <a:t>2019/12/19</a:t>
             </a:fld>
             <a:endParaRPr lang="zh-TW" altLang="en-US"/>
           </a:p>
@@ -6299,7 +6399,7 @@
           <a:p>
             <a:fld id="{342E22A8-6512-46B5-B58B-0C3A615F0CEB}" type="datetimeFigureOut">
               <a:rPr lang="zh-TW" altLang="en-US" smtClean="0"/>
-              <a:t>2019/11/12</a:t>
+              <a:t>2019/12/19</a:t>
             </a:fld>
             <a:endParaRPr lang="zh-TW" altLang="en-US"/>
           </a:p>
@@ -6473,7 +6573,7 @@
           <a:p>
             <a:fld id="{342E22A8-6512-46B5-B58B-0C3A615F0CEB}" type="datetimeFigureOut">
               <a:rPr lang="zh-TW" altLang="en-US" smtClean="0"/>
-              <a:t>2019/11/12</a:t>
+              <a:t>2019/12/19</a:t>
             </a:fld>
             <a:endParaRPr lang="zh-TW" altLang="en-US"/>
           </a:p>
@@ -6653,7 +6753,7 @@
           <a:p>
             <a:fld id="{342E22A8-6512-46B5-B58B-0C3A615F0CEB}" type="datetimeFigureOut">
               <a:rPr lang="zh-TW" altLang="en-US" smtClean="0"/>
-              <a:t>2019/11/12</a:t>
+              <a:t>2019/12/19</a:t>
             </a:fld>
             <a:endParaRPr lang="zh-TW" altLang="en-US"/>
           </a:p>
@@ -6823,7 +6923,7 @@
           <a:p>
             <a:fld id="{342E22A8-6512-46B5-B58B-0C3A615F0CEB}" type="datetimeFigureOut">
               <a:rPr lang="zh-TW" altLang="en-US" smtClean="0"/>
-              <a:t>2019/11/12</a:t>
+              <a:t>2019/12/19</a:t>
             </a:fld>
             <a:endParaRPr lang="zh-TW" altLang="en-US"/>
           </a:p>
@@ -7073,7 +7173,7 @@
           <a:p>
             <a:fld id="{342E22A8-6512-46B5-B58B-0C3A615F0CEB}" type="datetimeFigureOut">
               <a:rPr lang="zh-TW" altLang="en-US" smtClean="0"/>
-              <a:t>2019/11/12</a:t>
+              <a:t>2019/12/19</a:t>
             </a:fld>
             <a:endParaRPr lang="zh-TW" altLang="en-US"/>
           </a:p>
@@ -7309,7 +7409,7 @@
           <a:p>
             <a:fld id="{342E22A8-6512-46B5-B58B-0C3A615F0CEB}" type="datetimeFigureOut">
               <a:rPr lang="zh-TW" altLang="en-US" smtClean="0"/>
-              <a:t>2019/11/12</a:t>
+              <a:t>2019/12/19</a:t>
             </a:fld>
             <a:endParaRPr lang="zh-TW" altLang="en-US"/>
           </a:p>
@@ -7691,7 +7791,7 @@
           <a:p>
             <a:fld id="{342E22A8-6512-46B5-B58B-0C3A615F0CEB}" type="datetimeFigureOut">
               <a:rPr lang="zh-TW" altLang="en-US" smtClean="0"/>
-              <a:t>2019/11/12</a:t>
+              <a:t>2019/12/19</a:t>
             </a:fld>
             <a:endParaRPr lang="zh-TW" altLang="en-US"/>
           </a:p>
@@ -7809,7 +7909,7 @@
           <a:p>
             <a:fld id="{342E22A8-6512-46B5-B58B-0C3A615F0CEB}" type="datetimeFigureOut">
               <a:rPr lang="zh-TW" altLang="en-US" smtClean="0"/>
-              <a:t>2019/11/12</a:t>
+              <a:t>2019/12/19</a:t>
             </a:fld>
             <a:endParaRPr lang="zh-TW" altLang="en-US"/>
           </a:p>
@@ -7904,7 +8004,7 @@
           <a:p>
             <a:fld id="{342E22A8-6512-46B5-B58B-0C3A615F0CEB}" type="datetimeFigureOut">
               <a:rPr lang="zh-TW" altLang="en-US" smtClean="0"/>
-              <a:t>2019/11/12</a:t>
+              <a:t>2019/12/19</a:t>
             </a:fld>
             <a:endParaRPr lang="zh-TW" altLang="en-US"/>
           </a:p>
@@ -8159,7 +8259,7 @@
           <a:p>
             <a:fld id="{342E22A8-6512-46B5-B58B-0C3A615F0CEB}" type="datetimeFigureOut">
               <a:rPr lang="zh-TW" altLang="en-US" smtClean="0"/>
-              <a:t>2019/11/12</a:t>
+              <a:t>2019/12/19</a:t>
             </a:fld>
             <a:endParaRPr lang="zh-TW" altLang="en-US"/>
           </a:p>
@@ -8442,7 +8542,7 @@
           <a:p>
             <a:fld id="{342E22A8-6512-46B5-B58B-0C3A615F0CEB}" type="datetimeFigureOut">
               <a:rPr lang="zh-TW" altLang="en-US" smtClean="0"/>
-              <a:t>2019/11/12</a:t>
+              <a:t>2019/12/19</a:t>
             </a:fld>
             <a:endParaRPr lang="zh-TW" altLang="en-US"/>
           </a:p>
@@ -8848,7 +8948,7 @@
           <a:p>
             <a:fld id="{342E22A8-6512-46B5-B58B-0C3A615F0CEB}" type="datetimeFigureOut">
               <a:rPr lang="zh-TW" altLang="en-US" smtClean="0"/>
-              <a:t>2019/11/12</a:t>
+              <a:t>2019/12/19</a:t>
             </a:fld>
             <a:endParaRPr lang="zh-TW" altLang="en-US"/>
           </a:p>
@@ -9622,7 +9722,7 @@
                 <a16:creationId xmlns:a16="http://schemas.microsoft.com/office/drawing/2014/main" id="{CADF2543-1B6F-4FBC-A7AF-53A0430E05AB}"/>
               </a:ext>
               <a:ext uri="{C183D7F6-B498-43B3-948B-1728B52AA6E4}">
-                <adec:decorative xmlns:adec="http://schemas.microsoft.com/office/drawing/2017/decorative" val="1"/>
+                <adec:decorative xmlns:adec="http://schemas.microsoft.com/office/drawing/2017/decorative" xmlns="" val="1"/>
               </a:ext>
             </a:extLst>
           </p:cNvPr>
@@ -9717,7 +9817,7 @@
                 <a16:creationId xmlns:a16="http://schemas.microsoft.com/office/drawing/2014/main" id="{A80A6E81-6B71-43DF-877B-E964A9A4CB68}"/>
               </a:ext>
               <a:ext uri="{C183D7F6-B498-43B3-948B-1728B52AA6E4}">
-                <adec:decorative xmlns:adec="http://schemas.microsoft.com/office/drawing/2017/decorative" val="1"/>
+                <adec:decorative xmlns:adec="http://schemas.microsoft.com/office/drawing/2017/decorative" xmlns="" val="1"/>
               </a:ext>
             </a:extLst>
           </p:cNvPr>
@@ -9748,7 +9848,7 @@
                   <a16:creationId xmlns:a16="http://schemas.microsoft.com/office/drawing/2014/main" id="{4E35C3AD-357F-4004-A3F3-2D4EAF34A63D}"/>
                 </a:ext>
                 <a:ext uri="{C183D7F6-B498-43B3-948B-1728B52AA6E4}">
-                  <adec:decorative xmlns:adec="http://schemas.microsoft.com/office/drawing/2017/decorative" val="1"/>
+                  <adec:decorative xmlns:adec="http://schemas.microsoft.com/office/drawing/2017/decorative" xmlns="" val="1"/>
                 </a:ext>
               </a:extLst>
             </p:cNvPr>
@@ -9801,7 +9901,7 @@
                   <a16:creationId xmlns:a16="http://schemas.microsoft.com/office/drawing/2014/main" id="{337B6032-0A70-4F26-A9A3-B4D60DF11818}"/>
                 </a:ext>
                 <a:ext uri="{C183D7F6-B498-43B3-948B-1728B52AA6E4}">
-                  <adec:decorative xmlns:adec="http://schemas.microsoft.com/office/drawing/2017/decorative" val="1"/>
+                  <adec:decorative xmlns:adec="http://schemas.microsoft.com/office/drawing/2017/decorative" xmlns="" val="1"/>
                 </a:ext>
               </a:extLst>
             </p:cNvPr>
@@ -9854,7 +9954,7 @@
                   <a16:creationId xmlns:a16="http://schemas.microsoft.com/office/drawing/2014/main" id="{DE192CE3-3DD1-448F-93BE-42983DA0D5A9}"/>
                 </a:ext>
                 <a:ext uri="{C183D7F6-B498-43B3-948B-1728B52AA6E4}">
-                  <adec:decorative xmlns:adec="http://schemas.microsoft.com/office/drawing/2017/decorative" val="1"/>
+                  <adec:decorative xmlns:adec="http://schemas.microsoft.com/office/drawing/2017/decorative" xmlns="" val="1"/>
                 </a:ext>
               </a:extLst>
             </p:cNvPr>
@@ -9907,7 +10007,7 @@
                   <a16:creationId xmlns:a16="http://schemas.microsoft.com/office/drawing/2014/main" id="{E6D3DA09-5C72-4562-BEDE-1937DF87E81D}"/>
                 </a:ext>
                 <a:ext uri="{C183D7F6-B498-43B3-948B-1728B52AA6E4}">
-                  <adec:decorative xmlns:adec="http://schemas.microsoft.com/office/drawing/2017/decorative" val="1"/>
+                  <adec:decorative xmlns:adec="http://schemas.microsoft.com/office/drawing/2017/decorative" xmlns="" val="1"/>
                 </a:ext>
               </a:extLst>
             </p:cNvPr>
@@ -9960,7 +10060,7 @@
                   <a16:creationId xmlns:a16="http://schemas.microsoft.com/office/drawing/2014/main" id="{D6ACA7CA-2A20-49D7-9053-E076463D79A3}"/>
                 </a:ext>
                 <a:ext uri="{C183D7F6-B498-43B3-948B-1728B52AA6E4}">
-                  <adec:decorative xmlns:adec="http://schemas.microsoft.com/office/drawing/2017/decorative" val="1"/>
+                  <adec:decorative xmlns:adec="http://schemas.microsoft.com/office/drawing/2017/decorative" xmlns="" val="1"/>
                 </a:ext>
               </a:extLst>
             </p:cNvPr>
@@ -10221,7 +10321,7 @@
                 <a16:creationId xmlns:a16="http://schemas.microsoft.com/office/drawing/2014/main" id="{CADF2543-1B6F-4FBC-A7AF-53A0430E05AB}"/>
               </a:ext>
               <a:ext uri="{C183D7F6-B498-43B3-948B-1728B52AA6E4}">
-                <adec:decorative xmlns:adec="http://schemas.microsoft.com/office/drawing/2017/decorative" val="1"/>
+                <adec:decorative xmlns:adec="http://schemas.microsoft.com/office/drawing/2017/decorative" xmlns="" val="1"/>
               </a:ext>
             </a:extLst>
           </p:cNvPr>
@@ -10316,7 +10416,7 @@
                 <a16:creationId xmlns:a16="http://schemas.microsoft.com/office/drawing/2014/main" id="{A80A6E81-6B71-43DF-877B-E964A9A4CB68}"/>
               </a:ext>
               <a:ext uri="{C183D7F6-B498-43B3-948B-1728B52AA6E4}">
-                <adec:decorative xmlns:adec="http://schemas.microsoft.com/office/drawing/2017/decorative" val="1"/>
+                <adec:decorative xmlns:adec="http://schemas.microsoft.com/office/drawing/2017/decorative" xmlns="" val="1"/>
               </a:ext>
             </a:extLst>
           </p:cNvPr>
@@ -10347,7 +10447,7 @@
                   <a16:creationId xmlns:a16="http://schemas.microsoft.com/office/drawing/2014/main" id="{4E35C3AD-357F-4004-A3F3-2D4EAF34A63D}"/>
                 </a:ext>
                 <a:ext uri="{C183D7F6-B498-43B3-948B-1728B52AA6E4}">
-                  <adec:decorative xmlns:adec="http://schemas.microsoft.com/office/drawing/2017/decorative" val="1"/>
+                  <adec:decorative xmlns:adec="http://schemas.microsoft.com/office/drawing/2017/decorative" xmlns="" val="1"/>
                 </a:ext>
               </a:extLst>
             </p:cNvPr>
@@ -10400,7 +10500,7 @@
                   <a16:creationId xmlns:a16="http://schemas.microsoft.com/office/drawing/2014/main" id="{337B6032-0A70-4F26-A9A3-B4D60DF11818}"/>
                 </a:ext>
                 <a:ext uri="{C183D7F6-B498-43B3-948B-1728B52AA6E4}">
-                  <adec:decorative xmlns:adec="http://schemas.microsoft.com/office/drawing/2017/decorative" val="1"/>
+                  <adec:decorative xmlns:adec="http://schemas.microsoft.com/office/drawing/2017/decorative" xmlns="" val="1"/>
                 </a:ext>
               </a:extLst>
             </p:cNvPr>
@@ -10453,7 +10553,7 @@
                   <a16:creationId xmlns:a16="http://schemas.microsoft.com/office/drawing/2014/main" id="{DE192CE3-3DD1-448F-93BE-42983DA0D5A9}"/>
                 </a:ext>
                 <a:ext uri="{C183D7F6-B498-43B3-948B-1728B52AA6E4}">
-                  <adec:decorative xmlns:adec="http://schemas.microsoft.com/office/drawing/2017/decorative" val="1"/>
+                  <adec:decorative xmlns:adec="http://schemas.microsoft.com/office/drawing/2017/decorative" xmlns="" val="1"/>
                 </a:ext>
               </a:extLst>
             </p:cNvPr>
@@ -10506,7 +10606,7 @@
                   <a16:creationId xmlns:a16="http://schemas.microsoft.com/office/drawing/2014/main" id="{E6D3DA09-5C72-4562-BEDE-1937DF87E81D}"/>
                 </a:ext>
                 <a:ext uri="{C183D7F6-B498-43B3-948B-1728B52AA6E4}">
-                  <adec:decorative xmlns:adec="http://schemas.microsoft.com/office/drawing/2017/decorative" val="1"/>
+                  <adec:decorative xmlns:adec="http://schemas.microsoft.com/office/drawing/2017/decorative" xmlns="" val="1"/>
                 </a:ext>
               </a:extLst>
             </p:cNvPr>
@@ -10559,7 +10659,7 @@
                   <a16:creationId xmlns:a16="http://schemas.microsoft.com/office/drawing/2014/main" id="{D6ACA7CA-2A20-49D7-9053-E076463D79A3}"/>
                 </a:ext>
                 <a:ext uri="{C183D7F6-B498-43B3-948B-1728B52AA6E4}">
-                  <adec:decorative xmlns:adec="http://schemas.microsoft.com/office/drawing/2017/decorative" val="1"/>
+                  <adec:decorative xmlns:adec="http://schemas.microsoft.com/office/drawing/2017/decorative" xmlns="" val="1"/>
                 </a:ext>
               </a:extLst>
             </p:cNvPr>
@@ -10686,6 +10786,10 @@
               </a:rPr>
               <a:t>點選店家可看到菜單圖片，價格，避雷提醒</a:t>
             </a:r>
+            <a:r>
+              <a:rPr lang="zh-TW" altLang="en-US" dirty="0"/>
+              <a:t/>
+            </a:r>
             <a:br>
               <a:rPr lang="zh-TW" altLang="en-US" dirty="0"/>
             </a:br>
@@ -10760,7 +10864,7 @@
                 <a16:creationId xmlns:a16="http://schemas.microsoft.com/office/drawing/2014/main" id="{CADF2543-1B6F-4FBC-A7AF-53A0430E05AB}"/>
               </a:ext>
               <a:ext uri="{C183D7F6-B498-43B3-948B-1728B52AA6E4}">
-                <adec:decorative xmlns:adec="http://schemas.microsoft.com/office/drawing/2017/decorative" val="1"/>
+                <adec:decorative xmlns:adec="http://schemas.microsoft.com/office/drawing/2017/decorative" xmlns="" val="1"/>
               </a:ext>
             </a:extLst>
           </p:cNvPr>
@@ -10855,7 +10959,7 @@
                 <a16:creationId xmlns:a16="http://schemas.microsoft.com/office/drawing/2014/main" id="{A80A6E81-6B71-43DF-877B-E964A9A4CB68}"/>
               </a:ext>
               <a:ext uri="{C183D7F6-B498-43B3-948B-1728B52AA6E4}">
-                <adec:decorative xmlns:adec="http://schemas.microsoft.com/office/drawing/2017/decorative" val="1"/>
+                <adec:decorative xmlns:adec="http://schemas.microsoft.com/office/drawing/2017/decorative" xmlns="" val="1"/>
               </a:ext>
             </a:extLst>
           </p:cNvPr>
@@ -10886,7 +10990,7 @@
                   <a16:creationId xmlns:a16="http://schemas.microsoft.com/office/drawing/2014/main" id="{4E35C3AD-357F-4004-A3F3-2D4EAF34A63D}"/>
                 </a:ext>
                 <a:ext uri="{C183D7F6-B498-43B3-948B-1728B52AA6E4}">
-                  <adec:decorative xmlns:adec="http://schemas.microsoft.com/office/drawing/2017/decorative" val="1"/>
+                  <adec:decorative xmlns:adec="http://schemas.microsoft.com/office/drawing/2017/decorative" xmlns="" val="1"/>
                 </a:ext>
               </a:extLst>
             </p:cNvPr>
@@ -10939,7 +11043,7 @@
                   <a16:creationId xmlns:a16="http://schemas.microsoft.com/office/drawing/2014/main" id="{337B6032-0A70-4F26-A9A3-B4D60DF11818}"/>
                 </a:ext>
                 <a:ext uri="{C183D7F6-B498-43B3-948B-1728B52AA6E4}">
-                  <adec:decorative xmlns:adec="http://schemas.microsoft.com/office/drawing/2017/decorative" val="1"/>
+                  <adec:decorative xmlns:adec="http://schemas.microsoft.com/office/drawing/2017/decorative" xmlns="" val="1"/>
                 </a:ext>
               </a:extLst>
             </p:cNvPr>
@@ -10992,7 +11096,7 @@
                   <a16:creationId xmlns:a16="http://schemas.microsoft.com/office/drawing/2014/main" id="{DE192CE3-3DD1-448F-93BE-42983DA0D5A9}"/>
                 </a:ext>
                 <a:ext uri="{C183D7F6-B498-43B3-948B-1728B52AA6E4}">
-                  <adec:decorative xmlns:adec="http://schemas.microsoft.com/office/drawing/2017/decorative" val="1"/>
+                  <adec:decorative xmlns:adec="http://schemas.microsoft.com/office/drawing/2017/decorative" xmlns="" val="1"/>
                 </a:ext>
               </a:extLst>
             </p:cNvPr>
@@ -11045,7 +11149,7 @@
                   <a16:creationId xmlns:a16="http://schemas.microsoft.com/office/drawing/2014/main" id="{E6D3DA09-5C72-4562-BEDE-1937DF87E81D}"/>
                 </a:ext>
                 <a:ext uri="{C183D7F6-B498-43B3-948B-1728B52AA6E4}">
-                  <adec:decorative xmlns:adec="http://schemas.microsoft.com/office/drawing/2017/decorative" val="1"/>
+                  <adec:decorative xmlns:adec="http://schemas.microsoft.com/office/drawing/2017/decorative" xmlns="" val="1"/>
                 </a:ext>
               </a:extLst>
             </p:cNvPr>
@@ -11098,7 +11202,7 @@
                   <a16:creationId xmlns:a16="http://schemas.microsoft.com/office/drawing/2014/main" id="{D6ACA7CA-2A20-49D7-9053-E076463D79A3}"/>
                 </a:ext>
                 <a:ext uri="{C183D7F6-B498-43B3-948B-1728B52AA6E4}">
-                  <adec:decorative xmlns:adec="http://schemas.microsoft.com/office/drawing/2017/decorative" val="1"/>
+                  <adec:decorative xmlns:adec="http://schemas.microsoft.com/office/drawing/2017/decorative" xmlns="" val="1"/>
                 </a:ext>
               </a:extLst>
             </p:cNvPr>
@@ -11238,7 +11342,7 @@
                 <a16:creationId xmlns:a16="http://schemas.microsoft.com/office/drawing/2014/main" id="{CADF2543-1B6F-4FBC-A7AF-53A0430E05AB}"/>
               </a:ext>
               <a:ext uri="{C183D7F6-B498-43B3-948B-1728B52AA6E4}">
-                <adec:decorative xmlns:adec="http://schemas.microsoft.com/office/drawing/2017/decorative" val="1"/>
+                <adec:decorative xmlns:adec="http://schemas.microsoft.com/office/drawing/2017/decorative" xmlns="" val="1"/>
               </a:ext>
             </a:extLst>
           </p:cNvPr>
@@ -11333,7 +11437,7 @@
                 <a16:creationId xmlns:a16="http://schemas.microsoft.com/office/drawing/2014/main" id="{A80A6E81-6B71-43DF-877B-E964A9A4CB68}"/>
               </a:ext>
               <a:ext uri="{C183D7F6-B498-43B3-948B-1728B52AA6E4}">
-                <adec:decorative xmlns:adec="http://schemas.microsoft.com/office/drawing/2017/decorative" val="1"/>
+                <adec:decorative xmlns:adec="http://schemas.microsoft.com/office/drawing/2017/decorative" xmlns="" val="1"/>
               </a:ext>
             </a:extLst>
           </p:cNvPr>
@@ -11364,7 +11468,7 @@
                   <a16:creationId xmlns:a16="http://schemas.microsoft.com/office/drawing/2014/main" id="{4E35C3AD-357F-4004-A3F3-2D4EAF34A63D}"/>
                 </a:ext>
                 <a:ext uri="{C183D7F6-B498-43B3-948B-1728B52AA6E4}">
-                  <adec:decorative xmlns:adec="http://schemas.microsoft.com/office/drawing/2017/decorative" val="1"/>
+                  <adec:decorative xmlns:adec="http://schemas.microsoft.com/office/drawing/2017/decorative" xmlns="" val="1"/>
                 </a:ext>
               </a:extLst>
             </p:cNvPr>
@@ -11417,7 +11521,7 @@
                   <a16:creationId xmlns:a16="http://schemas.microsoft.com/office/drawing/2014/main" id="{337B6032-0A70-4F26-A9A3-B4D60DF11818}"/>
                 </a:ext>
                 <a:ext uri="{C183D7F6-B498-43B3-948B-1728B52AA6E4}">
-                  <adec:decorative xmlns:adec="http://schemas.microsoft.com/office/drawing/2017/decorative" val="1"/>
+                  <adec:decorative xmlns:adec="http://schemas.microsoft.com/office/drawing/2017/decorative" xmlns="" val="1"/>
                 </a:ext>
               </a:extLst>
             </p:cNvPr>
@@ -11470,7 +11574,7 @@
                   <a16:creationId xmlns:a16="http://schemas.microsoft.com/office/drawing/2014/main" id="{DE192CE3-3DD1-448F-93BE-42983DA0D5A9}"/>
                 </a:ext>
                 <a:ext uri="{C183D7F6-B498-43B3-948B-1728B52AA6E4}">
-                  <adec:decorative xmlns:adec="http://schemas.microsoft.com/office/drawing/2017/decorative" val="1"/>
+                  <adec:decorative xmlns:adec="http://schemas.microsoft.com/office/drawing/2017/decorative" xmlns="" val="1"/>
                 </a:ext>
               </a:extLst>
             </p:cNvPr>
@@ -11523,7 +11627,7 @@
                   <a16:creationId xmlns:a16="http://schemas.microsoft.com/office/drawing/2014/main" id="{E6D3DA09-5C72-4562-BEDE-1937DF87E81D}"/>
                 </a:ext>
                 <a:ext uri="{C183D7F6-B498-43B3-948B-1728B52AA6E4}">
-                  <adec:decorative xmlns:adec="http://schemas.microsoft.com/office/drawing/2017/decorative" val="1"/>
+                  <adec:decorative xmlns:adec="http://schemas.microsoft.com/office/drawing/2017/decorative" xmlns="" val="1"/>
                 </a:ext>
               </a:extLst>
             </p:cNvPr>
@@ -11576,7 +11680,7 @@
                   <a16:creationId xmlns:a16="http://schemas.microsoft.com/office/drawing/2014/main" id="{D6ACA7CA-2A20-49D7-9053-E076463D79A3}"/>
                 </a:ext>
                 <a:ext uri="{C183D7F6-B498-43B3-948B-1728B52AA6E4}">
-                  <adec:decorative xmlns:adec="http://schemas.microsoft.com/office/drawing/2017/decorative" val="1"/>
+                  <adec:decorative xmlns:adec="http://schemas.microsoft.com/office/drawing/2017/decorative" xmlns="" val="1"/>
                 </a:ext>
               </a:extLst>
             </p:cNvPr>
